--- a/trabalhos/trabalho-01/SLIDES.pptx
+++ b/trabalhos/trabalho-01/SLIDES.pptx
@@ -111,6 +111,11 @@
       </a:defRPr>
     </a:lvl9pPr>
   </p:defaultTextStyle>
+  <p:extLst>
+    <p:ext uri="{EFAFB233-063F-42B5-8137-9DF3F51BA10A}">
+      <p15:sldGuideLst xmlns:p15="http://schemas.microsoft.com/office/powerpoint/2012/main"/>
+    </p:ext>
+  </p:extLst>
 </p:presentation>
 </file>
 
@@ -245,7 +250,7 @@
           <a:p>
             <a:fld id="{0074CDD5-D504-4101-BF4D-ECEE2D22401E}" type="datetimeFigureOut">
               <a:rPr lang="pt-BR" smtClean="0"/>
-              <a:t>05/09/2016</a:t>
+              <a:t>08/09/2016</a:t>
             </a:fld>
             <a:endParaRPr lang="pt-BR"/>
           </a:p>
@@ -415,7 +420,7 @@
           <a:p>
             <a:fld id="{0074CDD5-D504-4101-BF4D-ECEE2D22401E}" type="datetimeFigureOut">
               <a:rPr lang="pt-BR" smtClean="0"/>
-              <a:t>05/09/2016</a:t>
+              <a:t>08/09/2016</a:t>
             </a:fld>
             <a:endParaRPr lang="pt-BR"/>
           </a:p>
@@ -595,7 +600,7 @@
           <a:p>
             <a:fld id="{0074CDD5-D504-4101-BF4D-ECEE2D22401E}" type="datetimeFigureOut">
               <a:rPr lang="pt-BR" smtClean="0"/>
-              <a:t>05/09/2016</a:t>
+              <a:t>08/09/2016</a:t>
             </a:fld>
             <a:endParaRPr lang="pt-BR"/>
           </a:p>
@@ -765,7 +770,7 @@
           <a:p>
             <a:fld id="{0074CDD5-D504-4101-BF4D-ECEE2D22401E}" type="datetimeFigureOut">
               <a:rPr lang="pt-BR" smtClean="0"/>
-              <a:t>05/09/2016</a:t>
+              <a:t>08/09/2016</a:t>
             </a:fld>
             <a:endParaRPr lang="pt-BR"/>
           </a:p>
@@ -1011,7 +1016,7 @@
           <a:p>
             <a:fld id="{0074CDD5-D504-4101-BF4D-ECEE2D22401E}" type="datetimeFigureOut">
               <a:rPr lang="pt-BR" smtClean="0"/>
-              <a:t>05/09/2016</a:t>
+              <a:t>08/09/2016</a:t>
             </a:fld>
             <a:endParaRPr lang="pt-BR"/>
           </a:p>
@@ -1243,7 +1248,7 @@
           <a:p>
             <a:fld id="{0074CDD5-D504-4101-BF4D-ECEE2D22401E}" type="datetimeFigureOut">
               <a:rPr lang="pt-BR" smtClean="0"/>
-              <a:t>05/09/2016</a:t>
+              <a:t>08/09/2016</a:t>
             </a:fld>
             <a:endParaRPr lang="pt-BR"/>
           </a:p>
@@ -1610,7 +1615,7 @@
           <a:p>
             <a:fld id="{0074CDD5-D504-4101-BF4D-ECEE2D22401E}" type="datetimeFigureOut">
               <a:rPr lang="pt-BR" smtClean="0"/>
-              <a:t>05/09/2016</a:t>
+              <a:t>08/09/2016</a:t>
             </a:fld>
             <a:endParaRPr lang="pt-BR"/>
           </a:p>
@@ -1728,7 +1733,7 @@
           <a:p>
             <a:fld id="{0074CDD5-D504-4101-BF4D-ECEE2D22401E}" type="datetimeFigureOut">
               <a:rPr lang="pt-BR" smtClean="0"/>
-              <a:t>05/09/2016</a:t>
+              <a:t>08/09/2016</a:t>
             </a:fld>
             <a:endParaRPr lang="pt-BR"/>
           </a:p>
@@ -1823,7 +1828,7 @@
           <a:p>
             <a:fld id="{0074CDD5-D504-4101-BF4D-ECEE2D22401E}" type="datetimeFigureOut">
               <a:rPr lang="pt-BR" smtClean="0"/>
-              <a:t>05/09/2016</a:t>
+              <a:t>08/09/2016</a:t>
             </a:fld>
             <a:endParaRPr lang="pt-BR"/>
           </a:p>
@@ -2100,7 +2105,7 @@
           <a:p>
             <a:fld id="{0074CDD5-D504-4101-BF4D-ECEE2D22401E}" type="datetimeFigureOut">
               <a:rPr lang="pt-BR" smtClean="0"/>
-              <a:t>05/09/2016</a:t>
+              <a:t>08/09/2016</a:t>
             </a:fld>
             <a:endParaRPr lang="pt-BR"/>
           </a:p>
@@ -2353,7 +2358,7 @@
           <a:p>
             <a:fld id="{0074CDD5-D504-4101-BF4D-ECEE2D22401E}" type="datetimeFigureOut">
               <a:rPr lang="pt-BR" smtClean="0"/>
-              <a:t>05/09/2016</a:t>
+              <a:t>08/09/2016</a:t>
             </a:fld>
             <a:endParaRPr lang="pt-BR"/>
           </a:p>
@@ -2566,7 +2571,7 @@
           <a:p>
             <a:fld id="{0074CDD5-D504-4101-BF4D-ECEE2D22401E}" type="datetimeFigureOut">
               <a:rPr lang="pt-BR" smtClean="0"/>
-              <a:t>05/09/2016</a:t>
+              <a:t>08/09/2016</a:t>
             </a:fld>
             <a:endParaRPr lang="pt-BR"/>
           </a:p>
@@ -3544,8 +3549,21 @@
           <a:p>
             <a:r>
               <a:rPr lang="pt-BR" dirty="0" smtClean="0"/>
-              <a:t>Leitura:</a:t>
-            </a:r>
+              <a:t>Leitura (</a:t>
+            </a:r>
+            <a:r>
+              <a:rPr lang="pt-BR" dirty="0" err="1" smtClean="0"/>
+              <a:t>readability</a:t>
+            </a:r>
+            <a:r>
+              <a:rPr lang="pt-BR" dirty="0"/>
+              <a:t>)</a:t>
+            </a:r>
+            <a:r>
+              <a:rPr lang="pt-BR" dirty="0" smtClean="0"/>
+              <a:t>:</a:t>
+            </a:r>
+            <a:endParaRPr lang="pt-BR" dirty="0" smtClean="0"/>
           </a:p>
           <a:p>
             <a:pPr lvl="1">
@@ -3554,47 +3572,102 @@
             </a:pPr>
             <a:r>
               <a:rPr lang="pt-BR" dirty="0" smtClean="0"/>
-              <a:t>Semelhante ao que acontece em Java, a leitura dos programas se torna mais difícil, por possuir muitas classes, bibliotecas e paradigmas diferentes.</a:t>
-            </a:r>
-            <a:endParaRPr lang="pt-BR" dirty="0"/>
+              <a:t>O código </a:t>
+            </a:r>
+            <a:r>
+              <a:rPr lang="pt-BR" dirty="0" err="1" smtClean="0"/>
+              <a:t>Kotlin</a:t>
+            </a:r>
+            <a:r>
+              <a:rPr lang="pt-BR" dirty="0" smtClean="0"/>
+              <a:t> é fácil de ser compreendido. </a:t>
+            </a:r>
+            <a:r>
+              <a:rPr lang="pt-BR" dirty="0" smtClean="0"/>
+              <a:t>É fácil identificar quais são as variáveis do programa, pois todas são iniciados por um identificador chamado </a:t>
+            </a:r>
+            <a:r>
+              <a:rPr lang="pt-BR" dirty="0" smtClean="0">
+                <a:solidFill>
+                  <a:schemeClr val="bg1">
+                    <a:lumMod val="50000"/>
+                  </a:schemeClr>
+                </a:solidFill>
+              </a:rPr>
+              <a:t>val</a:t>
+            </a:r>
+            <a:r>
+              <a:rPr lang="pt-BR" dirty="0" smtClean="0"/>
+              <a:t>. A </a:t>
+            </a:r>
+            <a:r>
+              <a:rPr lang="pt-BR" dirty="0" err="1" smtClean="0"/>
+              <a:t>identação</a:t>
+            </a:r>
+            <a:r>
+              <a:rPr lang="pt-BR" dirty="0" smtClean="0"/>
+              <a:t> obrigatória também ajuda na leitura.</a:t>
+            </a:r>
+            <a:endParaRPr lang="pt-BR" dirty="0">
+              <a:solidFill>
+                <a:schemeClr val="bg1">
+                  <a:lumMod val="50000"/>
+                </a:schemeClr>
+              </a:solidFill>
+            </a:endParaRPr>
+          </a:p>
+          <a:p>
+            <a:r>
+              <a:rPr lang="pt-BR" dirty="0" smtClean="0"/>
+              <a:t>Escrita (</a:t>
+            </a:r>
+            <a:r>
+              <a:rPr lang="pt-BR" dirty="0" err="1" smtClean="0"/>
+              <a:t>writability</a:t>
+            </a:r>
+            <a:r>
+              <a:rPr lang="pt-BR" dirty="0" smtClean="0"/>
+              <a:t>):</a:t>
+            </a:r>
           </a:p>
           <a:p>
             <a:pPr lvl="1">
               <a:buFont typeface="Wingdings" panose="05000000000000000000" pitchFamily="2" charset="2"/>
               <a:buChar char="§"/>
             </a:pPr>
+            <a:r>
+              <a:rPr lang="pt-BR" dirty="0" smtClean="0"/>
+              <a:t>A escrita em </a:t>
+            </a:r>
+            <a:r>
+              <a:rPr lang="pt-BR" dirty="0" err="1" smtClean="0"/>
+              <a:t>Kotlin</a:t>
+            </a:r>
+            <a:r>
+              <a:rPr lang="pt-BR" dirty="0"/>
+              <a:t> </a:t>
+            </a:r>
+            <a:r>
+              <a:rPr lang="pt-BR" dirty="0" smtClean="0"/>
+              <a:t>não é muito boa, por ser orientada a objetos e possuir muitas classes. Porém, comparando a Java, </a:t>
+            </a:r>
+            <a:r>
+              <a:rPr lang="pt-BR" dirty="0" err="1" smtClean="0"/>
+              <a:t>Kotlin</a:t>
+            </a:r>
+            <a:r>
+              <a:rPr lang="pt-BR" dirty="0" smtClean="0"/>
+              <a:t> possui a escrita melhor, pois tem o paradigma funcional nativo. A inferência de tipo também ajuda no seu </a:t>
+            </a:r>
+            <a:r>
+              <a:rPr lang="pt-BR" dirty="0" err="1" smtClean="0"/>
+              <a:t>writability</a:t>
+            </a:r>
+            <a:r>
+              <a:rPr lang="pt-BR" dirty="0"/>
+              <a:t>.</a:t>
+            </a:r>
             <a:endParaRPr lang="pt-BR" dirty="0" smtClean="0"/>
-          </a:p>
-          <a:p>
-            <a:pPr lvl="1">
-              <a:buFont typeface="Wingdings" panose="05000000000000000000" pitchFamily="2" charset="2"/>
-              <a:buChar char="§"/>
-            </a:pPr>
-            <a:endParaRPr lang="pt-BR" dirty="0"/>
-          </a:p>
-          <a:p>
-            <a:r>
-              <a:rPr lang="pt-BR" dirty="0" smtClean="0"/>
-              <a:t>Escrita:</a:t>
-            </a:r>
-          </a:p>
-          <a:p>
-            <a:pPr lvl="1">
-              <a:buFont typeface="Wingdings" panose="05000000000000000000" pitchFamily="2" charset="2"/>
-              <a:buChar char="§"/>
-            </a:pPr>
-            <a:r>
-              <a:rPr lang="pt-BR" dirty="0" smtClean="0"/>
-              <a:t>Também semelhante ao que acontece em Java, a escrita é dinâmica e mais fácil de ser desenvolvida. A </a:t>
-            </a:r>
-            <a:r>
-              <a:rPr lang="pt-BR" dirty="0" err="1" smtClean="0"/>
-              <a:t>tipagem</a:t>
-            </a:r>
-            <a:r>
-              <a:rPr lang="pt-BR" dirty="0" smtClean="0"/>
-              <a:t> forte e inferida contribui para um código mais curto e mais fácil de se escrever.</a:t>
-            </a:r>
           </a:p>
         </p:txBody>
       </p:sp>
@@ -3668,8 +3741,17 @@
           <a:p>
             <a:r>
               <a:rPr lang="pt-BR" dirty="0" smtClean="0"/>
-              <a:t>Expressividade</a:t>
-            </a:r>
+              <a:t>Expressividade (</a:t>
+            </a:r>
+            <a:r>
+              <a:rPr lang="pt-BR" dirty="0" err="1" smtClean="0"/>
+              <a:t>expressiveness</a:t>
+            </a:r>
+            <a:r>
+              <a:rPr lang="pt-BR" dirty="0" smtClean="0"/>
+              <a:t>):</a:t>
+            </a:r>
+            <a:endParaRPr lang="pt-BR" dirty="0" smtClean="0"/>
           </a:p>
           <a:p>
             <a:pPr lvl="1">
@@ -3682,7 +3764,19 @@
             </a:r>
             <a:r>
               <a:rPr lang="pt-BR" dirty="0" smtClean="0"/>
-              <a:t> possui alto poder de expressão. O principal diferencial de </a:t>
+              <a:t> possui alto poder de expressão. </a:t>
+            </a:r>
+            <a:r>
+              <a:rPr lang="pt-BR" dirty="0" smtClean="0"/>
+              <a:t>Uma das </a:t>
+            </a:r>
+            <a:r>
+              <a:rPr lang="pt-BR" dirty="0" smtClean="0"/>
+              <a:t>principais características </a:t>
+            </a:r>
+            <a:r>
+              <a:rPr lang="pt-BR" dirty="0" smtClean="0"/>
+              <a:t>de </a:t>
             </a:r>
             <a:r>
               <a:rPr lang="pt-BR" dirty="0" err="1" smtClean="0"/>
@@ -3723,7 +3817,13 @@
             <a:pPr marL="0" indent="0">
               <a:buNone/>
             </a:pPr>
-            <a:endParaRPr lang="pt-BR" sz="2400" dirty="0" smtClean="0"/>
+            <a:endParaRPr lang="pt-BR" sz="2400" dirty="0" smtClean="0">
+              <a:solidFill>
+                <a:schemeClr val="accent3">
+                  <a:lumMod val="75000"/>
+                </a:schemeClr>
+              </a:solidFill>
+            </a:endParaRPr>
           </a:p>
           <a:p>
             <a:pPr marL="0" indent="0">
@@ -3741,7 +3841,17 @@
                   </a:schemeClr>
                 </a:solidFill>
               </a:rPr>
-              <a:t>bob?.departamento?.chefe?.nome</a:t>
+              <a:t>bob</a:t>
+            </a:r>
+            <a:r>
+              <a:rPr lang="pt-BR" sz="2400" dirty="0" err="1" smtClean="0">
+                <a:solidFill>
+                  <a:schemeClr val="accent3">
+                    <a:lumMod val="75000"/>
+                  </a:schemeClr>
+                </a:solidFill>
+              </a:rPr>
+              <a:t>?.departamento?.chefe?.nome</a:t>
             </a:r>
             <a:r>
               <a:rPr lang="pt-BR" sz="2400" dirty="0" smtClean="0">
@@ -3766,7 +3876,47 @@
                   </a:schemeClr>
                 </a:solidFill>
               </a:rPr>
-              <a:t>	/* retorna o nome do chefe do departamento de Bob, caso Bob esteja em algum departamento    e caso esse departamento tenha algum chefe */</a:t>
+              <a:t>	</a:t>
+            </a:r>
+            <a:r>
+              <a:rPr lang="pt-BR" sz="2400" dirty="0" smtClean="0">
+                <a:solidFill>
+                  <a:schemeClr val="accent3">
+                    <a:lumMod val="75000"/>
+                  </a:schemeClr>
+                </a:solidFill>
+              </a:rPr>
+              <a:t>/* </a:t>
+            </a:r>
+            <a:r>
+              <a:rPr lang="pt-BR" sz="2400" dirty="0" smtClean="0">
+                <a:solidFill>
+                  <a:schemeClr val="accent3">
+                    <a:lumMod val="75000"/>
+                  </a:schemeClr>
+                </a:solidFill>
+              </a:rPr>
+              <a:t>retorna o nome do chefe do departamento de Bob, caso Bob esteja em algum </a:t>
+            </a:r>
+            <a:r>
+              <a:rPr lang="pt-BR" sz="2400" dirty="0" smtClean="0">
+                <a:solidFill>
+                  <a:schemeClr val="accent3">
+                    <a:lumMod val="75000"/>
+                  </a:schemeClr>
+                </a:solidFill>
+              </a:rPr>
+              <a:t>departamento </a:t>
+            </a:r>
+            <a:r>
+              <a:rPr lang="pt-BR" sz="2400" dirty="0" smtClean="0">
+                <a:solidFill>
+                  <a:schemeClr val="accent3">
+                    <a:lumMod val="75000"/>
+                  </a:schemeClr>
+                </a:solidFill>
+              </a:rPr>
+              <a:t>e caso esse departamento tenha algum chefe */</a:t>
             </a:r>
             <a:endParaRPr lang="pt-BR" sz="2400" dirty="0">
               <a:solidFill>
@@ -4229,8 +4379,15 @@
                   </a:schemeClr>
                 </a:solidFill>
               </a:rPr>
-              <a:t>")</a:t>
-            </a:r>
+              <a:t>");</a:t>
+            </a:r>
+            <a:endParaRPr lang="pt-BR" dirty="0" smtClean="0">
+              <a:solidFill>
+                <a:schemeClr val="accent3">
+                  <a:lumMod val="75000"/>
+                </a:schemeClr>
+              </a:solidFill>
+            </a:endParaRPr>
           </a:p>
           <a:p>
             <a:pPr marL="0" indent="0">
@@ -4279,17 +4436,7 @@
                   </a:schemeClr>
                 </a:solidFill>
               </a:rPr>
-              <a:t>/</a:t>
-            </a:r>
-            <a:r>
-              <a:rPr lang="pt-BR" dirty="0" smtClean="0">
-                <a:solidFill>
-                  <a:schemeClr val="accent3">
-                    <a:lumMod val="75000"/>
-                  </a:schemeClr>
-                </a:solidFill>
-              </a:rPr>
-              <a:t>/ retorna "</a:t>
+              <a:t>// retorna "</a:t>
             </a:r>
             <a:r>
               <a:rPr lang="pt-BR" dirty="0" err="1" smtClean="0">
@@ -4431,16 +4578,28 @@
           <a:lstStyle/>
           <a:p>
             <a:r>
-              <a:rPr lang="pt-BR" dirty="0" smtClean="0"/>
-              <a:t>Percebemos que </a:t>
-            </a:r>
-            <a:r>
               <a:rPr lang="pt-BR" dirty="0" err="1" smtClean="0"/>
               <a:t>Kotlin</a:t>
             </a:r>
             <a:r>
               <a:rPr lang="pt-BR" dirty="0" smtClean="0"/>
-              <a:t> foi projetada para ser uma linguagem </a:t>
+              <a:t> </a:t>
+            </a:r>
+            <a:r>
+              <a:rPr lang="pt-BR" dirty="0" smtClean="0"/>
+              <a:t>foi projetada para ser uma linguagem </a:t>
+            </a:r>
+            <a:r>
+              <a:rPr lang="pt-BR" dirty="0" smtClean="0"/>
+              <a:t>orientada </a:t>
+            </a:r>
+            <a:r>
+              <a:rPr lang="pt-BR" dirty="0" smtClean="0"/>
+              <a:t>a objetos </a:t>
+            </a:r>
+            <a:r>
+              <a:rPr lang="pt-BR" dirty="0" smtClean="0"/>
+              <a:t>de</a:t>
             </a:r>
           </a:p>
           <a:p>
@@ -4449,7 +4608,31 @@
             </a:pPr>
             <a:r>
               <a:rPr lang="pt-BR" dirty="0" smtClean="0"/>
-              <a:t>orientada a objetos de força industrial e para ser uma linguagem </a:t>
+              <a:t>força </a:t>
+            </a:r>
+            <a:r>
+              <a:rPr lang="pt-BR" dirty="0" smtClean="0"/>
+              <a:t>industrial </a:t>
+            </a:r>
+            <a:r>
+              <a:rPr lang="pt-BR" dirty="0" smtClean="0"/>
+              <a:t>(atualmente, está fazendo sucesso </a:t>
+            </a:r>
+            <a:r>
+              <a:rPr lang="pt-BR" dirty="0" smtClean="0"/>
+              <a:t>no mundo </a:t>
+            </a:r>
+            <a:r>
+              <a:rPr lang="pt-BR" dirty="0" err="1" smtClean="0"/>
+              <a:t>android</a:t>
+            </a:r>
+            <a:r>
+              <a:rPr lang="pt-BR" dirty="0" smtClean="0"/>
+              <a:t>) </a:t>
+            </a:r>
+            <a:r>
+              <a:rPr lang="pt-BR" dirty="0" smtClean="0"/>
+              <a:t>e </a:t>
             </a:r>
           </a:p>
           <a:p>
@@ -4458,7 +4641,23 @@
             </a:pPr>
             <a:r>
               <a:rPr lang="pt-BR" dirty="0" smtClean="0"/>
-              <a:t>melhor do que Java, mas sendo </a:t>
+              <a:t>para </a:t>
+            </a:r>
+            <a:r>
+              <a:rPr lang="pt-BR" dirty="0" smtClean="0"/>
+              <a:t>ser uma linguagem </a:t>
+            </a:r>
+            <a:r>
+              <a:rPr lang="pt-BR" dirty="0" smtClean="0"/>
+              <a:t>melhor </a:t>
+            </a:r>
+            <a:r>
+              <a:rPr lang="pt-BR" dirty="0" smtClean="0"/>
+              <a:t>do que Java, mas </a:t>
+            </a:r>
+            <a:r>
+              <a:rPr lang="pt-BR" dirty="0" smtClean="0"/>
+              <a:t>sendo </a:t>
             </a:r>
             <a:r>
               <a:rPr lang="pt-BR" dirty="0" err="1" smtClean="0"/>
@@ -4466,8 +4665,9 @@
             </a:r>
             <a:r>
               <a:rPr lang="pt-BR" dirty="0" smtClean="0"/>
-              <a:t> com o código Java, </a:t>
-            </a:r>
+              <a:t> </a:t>
+            </a:r>
+            <a:endParaRPr lang="pt-BR" dirty="0" smtClean="0"/>
           </a:p>
           <a:p>
             <a:pPr marL="0" indent="0">
@@ -4475,7 +4675,41 @@
             </a:pPr>
             <a:r>
               <a:rPr lang="pt-BR" dirty="0" smtClean="0"/>
-              <a:t>permitindo que as empresas façam uma migração de Java para </a:t>
+              <a:t>com </a:t>
+            </a:r>
+            <a:r>
+              <a:rPr lang="pt-BR" dirty="0" smtClean="0"/>
+              <a:t>o código Java, </a:t>
+            </a:r>
+            <a:r>
+              <a:rPr lang="pt-BR" dirty="0" smtClean="0"/>
+              <a:t>permitindo </a:t>
+            </a:r>
+            <a:r>
+              <a:rPr lang="pt-BR" dirty="0" smtClean="0"/>
+              <a:t>que as empresas </a:t>
+            </a:r>
+            <a:r>
+              <a:rPr lang="pt-BR" dirty="0" smtClean="0"/>
+              <a:t>façam </a:t>
+            </a:r>
+            <a:r>
+              <a:rPr lang="pt-BR" dirty="0" smtClean="0"/>
+              <a:t>uma migração </a:t>
+            </a:r>
+            <a:endParaRPr lang="pt-BR" dirty="0" smtClean="0"/>
+          </a:p>
+          <a:p>
+            <a:pPr marL="0" indent="0">
+              <a:buNone/>
+            </a:pPr>
+            <a:r>
+              <a:rPr lang="pt-BR" dirty="0" smtClean="0"/>
+              <a:t>de </a:t>
+            </a:r>
+            <a:r>
+              <a:rPr lang="pt-BR" dirty="0" smtClean="0"/>
+              <a:t>Java para </a:t>
             </a:r>
             <a:r>
               <a:rPr lang="pt-BR" dirty="0" err="1" smtClean="0"/>
